--- a/PPTs/ARM_Instruction_References.pptx
+++ b/PPTs/ARM_Instruction_References.pptx
@@ -5,18 +5,17 @@
     <p:sldMasterId id="2147483660" r:id="rId1"/>
   </p:sldMasterIdLst>
   <p:notesMasterIdLst>
-    <p:notesMasterId r:id="rId11"/>
+    <p:notesMasterId r:id="rId10"/>
   </p:notesMasterIdLst>
   <p:sldIdLst>
     <p:sldId id="256" r:id="rId2"/>
-    <p:sldId id="379" r:id="rId3"/>
+    <p:sldId id="381" r:id="rId3"/>
     <p:sldId id="377" r:id="rId4"/>
     <p:sldId id="378" r:id="rId5"/>
-    <p:sldId id="352" r:id="rId6"/>
-    <p:sldId id="381" r:id="rId7"/>
-    <p:sldId id="350" r:id="rId8"/>
-    <p:sldId id="351" r:id="rId9"/>
-    <p:sldId id="342" r:id="rId10"/>
+    <p:sldId id="382" r:id="rId6"/>
+    <p:sldId id="383" r:id="rId7"/>
+    <p:sldId id="384" r:id="rId8"/>
+    <p:sldId id="342" r:id="rId9"/>
   </p:sldIdLst>
   <p:sldSz cx="9144000" cy="6858000" type="screen4x3"/>
   <p:notesSz cx="6950075" cy="9236075"/>
@@ -137,8 +136,7 @@
 <file path=ppt/revisionInfo.xml><?xml version="1.0" encoding="utf-8"?>
 <p1510:revInfo xmlns:a="http://schemas.openxmlformats.org/drawingml/2006/main" xmlns:r="http://schemas.openxmlformats.org/officeDocument/2006/relationships" xmlns:p1510="http://schemas.microsoft.com/office/powerpoint/2015/10/main">
   <p1510:revLst>
-    <p1510:client id="{1EA3FE3A-749A-4FFC-9B73-CF8E41208FC4}" v="83" dt="2025-09-23T18:48:15.838"/>
-    <p1510:client id="{917A310F-373F-47B1-8161-B63F3AC73075}" v="19" dt="2025-09-23T21:06:35.595"/>
+    <p1510:client id="{917A310F-373F-47B1-8161-B63F3AC73075}" v="23" dt="2025-09-24T22:58:30.574"/>
   </p1510:revLst>
 </p1510:revInfo>
 </file>
@@ -148,7 +146,7 @@
   <pc:docChgLst>
     <pc:chgData name="Zonghua Gu" userId="9a7e1853e1951ef5" providerId="LiveId" clId="{CF1FAA12-072C-4ED5-BA76-0FFFAEFDB88A}"/>
     <pc:docChg chg="undo custSel addSld delSld modSld sldOrd">
-      <pc:chgData name="Zonghua Gu" userId="9a7e1853e1951ef5" providerId="LiveId" clId="{CF1FAA12-072C-4ED5-BA76-0FFFAEFDB88A}" dt="2025-09-23T21:06:21.965" v="1577" actId="20577"/>
+      <pc:chgData name="Zonghua Gu" userId="9a7e1853e1951ef5" providerId="LiveId" clId="{CF1FAA12-072C-4ED5-BA76-0FFFAEFDB88A}" dt="2025-09-24T22:58:43.643" v="1592" actId="1076"/>
       <pc:docMkLst>
         <pc:docMk/>
       </pc:docMkLst>
@@ -481,13 +479,13 @@
         </pc:sldMkLst>
       </pc:sldChg>
       <pc:sldChg chg="modSp add del">
-        <pc:chgData name="Zonghua Gu" userId="9a7e1853e1951ef5" providerId="LiveId" clId="{CF1FAA12-072C-4ED5-BA76-0FFFAEFDB88A}" dt="2025-09-23T18:51:21.569" v="1473"/>
+        <pc:chgData name="Zonghua Gu" userId="9a7e1853e1951ef5" providerId="LiveId" clId="{CF1FAA12-072C-4ED5-BA76-0FFFAEFDB88A}" dt="2025-09-24T22:58:03.094" v="1586" actId="47"/>
         <pc:sldMkLst>
           <pc:docMk/>
           <pc:sldMk cId="3829986606" sldId="350"/>
         </pc:sldMkLst>
         <pc:spChg chg="mod">
-          <ac:chgData name="Zonghua Gu" userId="9a7e1853e1951ef5" providerId="LiveId" clId="{CF1FAA12-072C-4ED5-BA76-0FFFAEFDB88A}" dt="2025-09-23T18:51:21.569" v="1473"/>
+          <ac:chgData name="Zonghua Gu" userId="9a7e1853e1951ef5" providerId="LiveId" clId="{CF1FAA12-072C-4ED5-BA76-0FFFAEFDB88A}" dt="2025-09-24T22:52:08.735" v="1584"/>
           <ac:spMkLst>
             <pc:docMk/>
             <pc:sldMk cId="3829986606" sldId="350"/>
@@ -496,7 +494,7 @@
         </pc:spChg>
       </pc:sldChg>
       <pc:sldChg chg="modSp add del">
-        <pc:chgData name="Zonghua Gu" userId="9a7e1853e1951ef5" providerId="LiveId" clId="{CF1FAA12-072C-4ED5-BA76-0FFFAEFDB88A}" dt="2025-09-23T18:51:25.334" v="1474"/>
+        <pc:chgData name="Zonghua Gu" userId="9a7e1853e1951ef5" providerId="LiveId" clId="{CF1FAA12-072C-4ED5-BA76-0FFFAEFDB88A}" dt="2025-09-24T22:58:03.094" v="1586" actId="47"/>
         <pc:sldMkLst>
           <pc:docMk/>
           <pc:sldMk cId="1558414871" sldId="351"/>
@@ -511,13 +509,13 @@
         </pc:spChg>
       </pc:sldChg>
       <pc:sldChg chg="modSp add del mod">
-        <pc:chgData name="Zonghua Gu" userId="9a7e1853e1951ef5" providerId="LiveId" clId="{CF1FAA12-072C-4ED5-BA76-0FFFAEFDB88A}" dt="2025-09-23T18:51:17.630" v="1472" actId="20577"/>
+        <pc:chgData name="Zonghua Gu" userId="9a7e1853e1951ef5" providerId="LiveId" clId="{CF1FAA12-072C-4ED5-BA76-0FFFAEFDB88A}" dt="2025-09-24T22:58:03.094" v="1586" actId="47"/>
         <pc:sldMkLst>
           <pc:docMk/>
           <pc:sldMk cId="2171254142" sldId="352"/>
         </pc:sldMkLst>
         <pc:spChg chg="mod">
-          <ac:chgData name="Zonghua Gu" userId="9a7e1853e1951ef5" providerId="LiveId" clId="{CF1FAA12-072C-4ED5-BA76-0FFFAEFDB88A}" dt="2025-09-23T18:51:17.630" v="1472" actId="20577"/>
+          <ac:chgData name="Zonghua Gu" userId="9a7e1853e1951ef5" providerId="LiveId" clId="{CF1FAA12-072C-4ED5-BA76-0FFFAEFDB88A}" dt="2025-09-24T22:51:41.126" v="1580" actId="20577"/>
           <ac:spMkLst>
             <pc:docMk/>
             <pc:sldMk cId="2171254142" sldId="352"/>
@@ -636,8 +634,8 @@
           <pc:sldMk cId="609625573" sldId="379"/>
         </pc:sldMkLst>
       </pc:sldChg>
-      <pc:sldChg chg="addSp modSp new">
-        <pc:chgData name="Zonghua Gu" userId="9a7e1853e1951ef5" providerId="LiveId" clId="{CF1FAA12-072C-4ED5-BA76-0FFFAEFDB88A}" dt="2025-09-23T21:02:05.255" v="1514"/>
+      <pc:sldChg chg="addSp modSp new del">
+        <pc:chgData name="Zonghua Gu" userId="9a7e1853e1951ef5" providerId="LiveId" clId="{CF1FAA12-072C-4ED5-BA76-0FFFAEFDB88A}" dt="2025-09-24T22:52:02.437" v="1583" actId="47"/>
         <pc:sldMkLst>
           <pc:docMk/>
           <pc:sldMk cId="739921884" sldId="379"/>
@@ -682,8 +680,8 @@
           </ac:picMkLst>
         </pc:picChg>
       </pc:sldChg>
-      <pc:sldChg chg="addSp modSp new mod">
-        <pc:chgData name="Zonghua Gu" userId="9a7e1853e1951ef5" providerId="LiveId" clId="{CF1FAA12-072C-4ED5-BA76-0FFFAEFDB88A}" dt="2025-09-23T21:06:21.965" v="1577" actId="20577"/>
+      <pc:sldChg chg="addSp modSp new mod ord">
+        <pc:chgData name="Zonghua Gu" userId="9a7e1853e1951ef5" providerId="LiveId" clId="{CF1FAA12-072C-4ED5-BA76-0FFFAEFDB88A}" dt="2025-09-24T22:52:00.692" v="1582"/>
         <pc:sldMkLst>
           <pc:docMk/>
           <pc:sldMk cId="2452138352" sldId="381"/>
@@ -712,6 +710,59 @@
             <ac:picMk id="6" creationId="{80168489-8B57-7C2E-A280-C2FCA5EA7443}"/>
           </ac:picMkLst>
         </pc:picChg>
+      </pc:sldChg>
+      <pc:sldChg chg="modSp add mod">
+        <pc:chgData name="Zonghua Gu" userId="9a7e1853e1951ef5" providerId="LiveId" clId="{CF1FAA12-072C-4ED5-BA76-0FFFAEFDB88A}" dt="2025-09-24T22:58:43.643" v="1592" actId="1076"/>
+        <pc:sldMkLst>
+          <pc:docMk/>
+          <pc:sldMk cId="2083494270" sldId="382"/>
+        </pc:sldMkLst>
+        <pc:spChg chg="mod">
+          <ac:chgData name="Zonghua Gu" userId="9a7e1853e1951ef5" providerId="LiveId" clId="{CF1FAA12-072C-4ED5-BA76-0FFFAEFDB88A}" dt="2025-09-24T22:58:24.566" v="1588" actId="20577"/>
+          <ac:spMkLst>
+            <pc:docMk/>
+            <pc:sldMk cId="2083494270" sldId="382"/>
+            <ac:spMk id="14339" creationId="{00000000-0000-0000-0000-000000000000}"/>
+          </ac:spMkLst>
+        </pc:spChg>
+        <pc:grpChg chg="mod">
+          <ac:chgData name="Zonghua Gu" userId="9a7e1853e1951ef5" providerId="LiveId" clId="{CF1FAA12-072C-4ED5-BA76-0FFFAEFDB88A}" dt="2025-09-24T22:58:43.643" v="1592" actId="1076"/>
+          <ac:grpSpMkLst>
+            <pc:docMk/>
+            <pc:sldMk cId="2083494270" sldId="382"/>
+            <ac:grpSpMk id="4" creationId="{00000000-0000-0000-0000-000000000000}"/>
+          </ac:grpSpMkLst>
+        </pc:grpChg>
+      </pc:sldChg>
+      <pc:sldChg chg="modSp add">
+        <pc:chgData name="Zonghua Gu" userId="9a7e1853e1951ef5" providerId="LiveId" clId="{CF1FAA12-072C-4ED5-BA76-0FFFAEFDB88A}" dt="2025-09-24T22:58:28.190" v="1589"/>
+        <pc:sldMkLst>
+          <pc:docMk/>
+          <pc:sldMk cId="2158482455" sldId="383"/>
+        </pc:sldMkLst>
+        <pc:spChg chg="mod">
+          <ac:chgData name="Zonghua Gu" userId="9a7e1853e1951ef5" providerId="LiveId" clId="{CF1FAA12-072C-4ED5-BA76-0FFFAEFDB88A}" dt="2025-09-24T22:58:28.190" v="1589"/>
+          <ac:spMkLst>
+            <pc:docMk/>
+            <pc:sldMk cId="2158482455" sldId="383"/>
+            <ac:spMk id="2" creationId="{00000000-0000-0000-0000-000000000000}"/>
+          </ac:spMkLst>
+        </pc:spChg>
+      </pc:sldChg>
+      <pc:sldChg chg="modSp add">
+        <pc:chgData name="Zonghua Gu" userId="9a7e1853e1951ef5" providerId="LiveId" clId="{CF1FAA12-072C-4ED5-BA76-0FFFAEFDB88A}" dt="2025-09-24T22:58:30.574" v="1590"/>
+        <pc:sldMkLst>
+          <pc:docMk/>
+          <pc:sldMk cId="4167967629" sldId="384"/>
+        </pc:sldMkLst>
+        <pc:spChg chg="mod">
+          <ac:chgData name="Zonghua Gu" userId="9a7e1853e1951ef5" providerId="LiveId" clId="{CF1FAA12-072C-4ED5-BA76-0FFFAEFDB88A}" dt="2025-09-24T22:58:30.574" v="1590"/>
+          <ac:spMkLst>
+            <pc:docMk/>
+            <pc:sldMk cId="4167967629" sldId="384"/>
+            <ac:spMk id="2" creationId="{00000000-0000-0000-0000-000000000000}"/>
+          </ac:spMkLst>
+        </pc:spChg>
       </pc:sldChg>
       <pc:sldMasterChg chg="delSldLayout">
         <pc:chgData name="Zonghua Gu" userId="9a7e1853e1951ef5" providerId="LiveId" clId="{CF1FAA12-072C-4ED5-BA76-0FFFAEFDB88A}" dt="2025-09-23T18:50:05.020" v="1467" actId="47"/>
@@ -816,7 +867,7 @@
             <a:fld id="{2AEAFE1F-9E52-45C8-9793-E819F0044A1C}" type="datetimeFigureOut">
               <a:rPr lang="en-US" smtClean="0"/>
               <a:pPr/>
-              <a:t>9/23/2025</a:t>
+              <a:t>9/24/2025</a:t>
             </a:fld>
             <a:endParaRPr lang="en-US"/>
           </a:p>
@@ -1129,6 +1180,94 @@
           <a:lstStyle/>
           <a:p>
             <a:r>
+              <a:rPr lang="en-US"/>
+              <a:t>https://eclecticlight.co/2021/06/23/code-in-arm-assembly-controlling-flow/</a:t>
+            </a:r>
+          </a:p>
+        </p:txBody>
+      </p:sp>
+      <p:sp>
+        <p:nvSpPr>
+          <p:cNvPr id="4" name="Slide Number Placeholder 3"/>
+          <p:cNvSpPr>
+            <a:spLocks noGrp="1"/>
+          </p:cNvSpPr>
+          <p:nvPr>
+            <p:ph type="sldNum" sz="quarter" idx="5"/>
+          </p:nvPr>
+        </p:nvSpPr>
+        <p:spPr/>
+        <p:txBody>
+          <a:bodyPr/>
+          <a:lstStyle/>
+          <a:p>
+            <a:fld id="{2D71AD5F-E36F-46B9-A99B-7B025244359D}" type="slidenum">
+              <a:rPr lang="en-US" smtClean="0"/>
+              <a:pPr/>
+              <a:t>2</a:t>
+            </a:fld>
+            <a:endParaRPr lang="en-US"/>
+          </a:p>
+        </p:txBody>
+      </p:sp>
+    </p:spTree>
+    <p:extLst>
+      <p:ext uri="{BB962C8B-B14F-4D97-AF65-F5344CB8AC3E}">
+        <p14:creationId xmlns:p14="http://schemas.microsoft.com/office/powerpoint/2010/main" val="1076646287"/>
+      </p:ext>
+    </p:extLst>
+  </p:cSld>
+  <p:clrMapOvr>
+    <a:masterClrMapping/>
+  </p:clrMapOvr>
+</p:notes>
+</file>
+
+<file path=ppt/notesSlides/notesSlide2.xml><?xml version="1.0" encoding="utf-8"?>
+<p:notes xmlns:a="http://schemas.openxmlformats.org/drawingml/2006/main" xmlns:r="http://schemas.openxmlformats.org/officeDocument/2006/relationships" xmlns:p="http://schemas.openxmlformats.org/presentationml/2006/main">
+  <p:cSld>
+    <p:spTree>
+      <p:nvGrpSpPr>
+        <p:cNvPr id="1" name=""/>
+        <p:cNvGrpSpPr/>
+        <p:nvPr/>
+      </p:nvGrpSpPr>
+      <p:grpSpPr>
+        <a:xfrm>
+          <a:off x="0" y="0"/>
+          <a:ext cx="0" cy="0"/>
+          <a:chOff x="0" y="0"/>
+          <a:chExt cx="0" cy="0"/>
+        </a:xfrm>
+      </p:grpSpPr>
+      <p:sp>
+        <p:nvSpPr>
+          <p:cNvPr id="2" name="Slide Image Placeholder 1"/>
+          <p:cNvSpPr>
+            <a:spLocks noGrp="1" noRot="1" noChangeAspect="1"/>
+          </p:cNvSpPr>
+          <p:nvPr>
+            <p:ph type="sldImg"/>
+          </p:nvPr>
+        </p:nvSpPr>
+        <p:spPr/>
+      </p:sp>
+      <p:sp>
+        <p:nvSpPr>
+          <p:cNvPr id="3" name="Notes Placeholder 2"/>
+          <p:cNvSpPr>
+            <a:spLocks noGrp="1"/>
+          </p:cNvSpPr>
+          <p:nvPr>
+            <p:ph type="body" idx="1"/>
+          </p:nvPr>
+        </p:nvSpPr>
+        <p:spPr/>
+        <p:txBody>
+          <a:bodyPr/>
+          <a:lstStyle/>
+          <a:p>
+            <a:r>
               <a:rPr lang="en-US" sz="1200" dirty="0"/>
               <a:t> (and </a:t>
             </a:r>
@@ -1181,7 +1320,7 @@
 </p:notes>
 </file>
 
-<file path=ppt/notesSlides/notesSlide2.xml><?xml version="1.0" encoding="utf-8"?>
+<file path=ppt/notesSlides/notesSlide3.xml><?xml version="1.0" encoding="utf-8"?>
 <p:notes xmlns:a="http://schemas.openxmlformats.org/drawingml/2006/main" xmlns:r="http://schemas.openxmlformats.org/officeDocument/2006/relationships" xmlns:p="http://schemas.openxmlformats.org/presentationml/2006/main">
   <p:cSld>
     <p:spTree>
@@ -1302,7 +1441,7 @@
 </p:notes>
 </file>
 
-<file path=ppt/notesSlides/notesSlide3.xml><?xml version="1.0" encoding="utf-8"?>
+<file path=ppt/notesSlides/notesSlide4.xml><?xml version="1.0" encoding="utf-8"?>
 <p:notes xmlns:a="http://schemas.openxmlformats.org/drawingml/2006/main" xmlns:r="http://schemas.openxmlformats.org/officeDocument/2006/relationships" xmlns:p="http://schemas.openxmlformats.org/presentationml/2006/main">
   <p:cSld>
     <p:spTree>
@@ -1391,95 +1530,7 @@
     </p:spTree>
     <p:extLst>
       <p:ext uri="{BB962C8B-B14F-4D97-AF65-F5344CB8AC3E}">
-        <p14:creationId xmlns:p14="http://schemas.microsoft.com/office/powerpoint/2010/main" val="4256082643"/>
-      </p:ext>
-    </p:extLst>
-  </p:cSld>
-  <p:clrMapOvr>
-    <a:masterClrMapping/>
-  </p:clrMapOvr>
-</p:notes>
-</file>
-
-<file path=ppt/notesSlides/notesSlide4.xml><?xml version="1.0" encoding="utf-8"?>
-<p:notes xmlns:a="http://schemas.openxmlformats.org/drawingml/2006/main" xmlns:r="http://schemas.openxmlformats.org/officeDocument/2006/relationships" xmlns:p="http://schemas.openxmlformats.org/presentationml/2006/main">
-  <p:cSld>
-    <p:spTree>
-      <p:nvGrpSpPr>
-        <p:cNvPr id="1" name=""/>
-        <p:cNvGrpSpPr/>
-        <p:nvPr/>
-      </p:nvGrpSpPr>
-      <p:grpSpPr>
-        <a:xfrm>
-          <a:off x="0" y="0"/>
-          <a:ext cx="0" cy="0"/>
-          <a:chOff x="0" y="0"/>
-          <a:chExt cx="0" cy="0"/>
-        </a:xfrm>
-      </p:grpSpPr>
-      <p:sp>
-        <p:nvSpPr>
-          <p:cNvPr id="2" name="Slide Image Placeholder 1"/>
-          <p:cNvSpPr>
-            <a:spLocks noGrp="1" noRot="1" noChangeAspect="1"/>
-          </p:cNvSpPr>
-          <p:nvPr>
-            <p:ph type="sldImg"/>
-          </p:nvPr>
-        </p:nvSpPr>
-        <p:spPr/>
-      </p:sp>
-      <p:sp>
-        <p:nvSpPr>
-          <p:cNvPr id="3" name="Notes Placeholder 2"/>
-          <p:cNvSpPr>
-            <a:spLocks noGrp="1"/>
-          </p:cNvSpPr>
-          <p:nvPr>
-            <p:ph type="body" idx="1"/>
-          </p:nvPr>
-        </p:nvSpPr>
-        <p:spPr/>
-        <p:txBody>
-          <a:bodyPr/>
-          <a:lstStyle/>
-          <a:p>
-            <a:r>
-              <a:rPr lang="en-US"/>
-              <a:t>https://eclecticlight.co/2021/06/23/code-in-arm-assembly-controlling-flow/</a:t>
-            </a:r>
-          </a:p>
-        </p:txBody>
-      </p:sp>
-      <p:sp>
-        <p:nvSpPr>
-          <p:cNvPr id="4" name="Slide Number Placeholder 3"/>
-          <p:cNvSpPr>
-            <a:spLocks noGrp="1"/>
-          </p:cNvSpPr>
-          <p:nvPr>
-            <p:ph type="sldNum" sz="quarter" idx="5"/>
-          </p:nvPr>
-        </p:nvSpPr>
-        <p:spPr/>
-        <p:txBody>
-          <a:bodyPr/>
-          <a:lstStyle/>
-          <a:p>
-            <a:fld id="{2D71AD5F-E36F-46B9-A99B-7B025244359D}" type="slidenum">
-              <a:rPr lang="en-US" smtClean="0"/>
-              <a:pPr/>
-              <a:t>6</a:t>
-            </a:fld>
-            <a:endParaRPr lang="en-US"/>
-          </a:p>
-        </p:txBody>
-      </p:sp>
-    </p:spTree>
-    <p:extLst>
-      <p:ext uri="{BB962C8B-B14F-4D97-AF65-F5344CB8AC3E}">
-        <p14:creationId xmlns:p14="http://schemas.microsoft.com/office/powerpoint/2010/main" val="1076646287"/>
+        <p14:creationId xmlns:p14="http://schemas.microsoft.com/office/powerpoint/2010/main" val="542877082"/>
       </p:ext>
     </p:extLst>
   </p:cSld>
@@ -1561,7 +1612,7 @@
             <a:fld id="{2D71AD5F-E36F-46B9-A99B-7B025244359D}" type="slidenum">
               <a:rPr lang="en-US" smtClean="0"/>
               <a:pPr/>
-              <a:t>9</a:t>
+              <a:t>8</a:t>
             </a:fld>
             <a:endParaRPr lang="en-US"/>
           </a:p>
@@ -1723,7 +1774,7 @@
             <a:fld id="{2E26774B-6488-4259-9342-6CBDB2BFD4E4}" type="datetime1">
               <a:rPr lang="en-US" smtClean="0"/>
               <a:pPr eaLnBrk="1" latinLnBrk="0" hangingPunct="1"/>
-              <a:t>9/23/2025</a:t>
+              <a:t>9/24/2025</a:t>
             </a:fld>
             <a:endParaRPr lang="en-US" sz="1600" dirty="0"/>
           </a:p>
@@ -2084,7 +2135,7 @@
             <a:fld id="{9B2E7711-0BE3-4AFC-959B-CB5C31A7AE48}" type="datetime1">
               <a:rPr lang="en-US" smtClean="0"/>
               <a:pPr eaLnBrk="1" latinLnBrk="0" hangingPunct="1"/>
-              <a:t>9/23/2025</a:t>
+              <a:t>9/24/2025</a:t>
             </a:fld>
             <a:endParaRPr lang="en-US"/>
           </a:p>
@@ -2261,7 +2312,7 @@
             <a:fld id="{825AAB62-A572-4E37-B772-B4A75ADE0B18}" type="datetime1">
               <a:rPr lang="en-US" smtClean="0"/>
               <a:pPr eaLnBrk="1" latinLnBrk="0" hangingPunct="1"/>
-              <a:t>9/23/2025</a:t>
+              <a:t>9/24/2025</a:t>
             </a:fld>
             <a:endParaRPr lang="en-US"/>
           </a:p>
@@ -2498,7 +2549,7 @@
             <a:fld id="{B0F52420-10F8-488E-969A-A9BE388BE9C4}" type="datetime1">
               <a:rPr lang="en-US" smtClean="0"/>
               <a:pPr eaLnBrk="1" latinLnBrk="0" hangingPunct="1"/>
-              <a:t>9/23/2025</a:t>
+              <a:t>9/24/2025</a:t>
             </a:fld>
             <a:endParaRPr lang="en-US" dirty="0"/>
           </a:p>
@@ -2769,7 +2820,7 @@
             <a:fld id="{96E96F24-58CF-47DA-907C-A9CD6353E425}" type="datetime1">
               <a:rPr lang="en-US" smtClean="0"/>
               <a:pPr eaLnBrk="1" latinLnBrk="0" hangingPunct="1"/>
-              <a:t>9/23/2025</a:t>
+              <a:t>9/24/2025</a:t>
             </a:fld>
             <a:endParaRPr lang="en-US" dirty="0"/>
           </a:p>
@@ -2991,7 +3042,7 @@
             <a:fld id="{53AE4463-726A-4A35-9F46-98893432A3F9}" type="datetime1">
               <a:rPr lang="en-US" smtClean="0"/>
               <a:pPr eaLnBrk="1" latinLnBrk="0" hangingPunct="1"/>
-              <a:t>9/23/2025</a:t>
+              <a:t>9/24/2025</a:t>
             </a:fld>
             <a:endParaRPr lang="en-US"/>
           </a:p>
@@ -3345,7 +3396,7 @@
             <a:fld id="{FDF404D0-E306-4E90-90E3-E44D26246FFC}" type="datetime1">
               <a:rPr lang="en-US" smtClean="0"/>
               <a:pPr eaLnBrk="1" latinLnBrk="0" hangingPunct="1"/>
-              <a:t>9/23/2025</a:t>
+              <a:t>9/24/2025</a:t>
             </a:fld>
             <a:endParaRPr lang="en-US"/>
           </a:p>
@@ -3579,7 +3630,7 @@
             <a:fld id="{1485DA14-76F0-4D93-83FB-7878C79A1986}" type="datetime1">
               <a:rPr lang="en-US" smtClean="0"/>
               <a:pPr eaLnBrk="1" latinLnBrk="0" hangingPunct="1"/>
-              <a:t>9/23/2025</a:t>
+              <a:t>9/24/2025</a:t>
             </a:fld>
             <a:endParaRPr lang="en-US"/>
           </a:p>
@@ -3722,7 +3773,7 @@
             <a:fld id="{A15E552D-49E1-496B-B79C-E100986B8B5F}" type="datetime1">
               <a:rPr lang="en-US" smtClean="0"/>
               <a:pPr eaLnBrk="1" latinLnBrk="0" hangingPunct="1"/>
-              <a:t>9/23/2025</a:t>
+              <a:t>9/24/2025</a:t>
             </a:fld>
             <a:endParaRPr lang="en-US"/>
           </a:p>
@@ -4001,7 +4052,7 @@
             <a:fld id="{CEC72505-1551-4A98-97CD-F520B07184AD}" type="datetime1">
               <a:rPr lang="en-US" smtClean="0"/>
               <a:pPr eaLnBrk="1" latinLnBrk="0" hangingPunct="1"/>
-              <a:t>9/23/2025</a:t>
+              <a:t>9/24/2025</a:t>
             </a:fld>
             <a:endParaRPr lang="en-US"/>
           </a:p>
@@ -4409,7 +4460,7 @@
             <a:fld id="{7218F47B-BA16-4F20-B5BA-73F598D94B51}" type="datetime1">
               <a:rPr lang="en-US" smtClean="0"/>
               <a:pPr eaLnBrk="1" latinLnBrk="0" hangingPunct="1"/>
-              <a:t>9/23/2025</a:t>
+              <a:t>9/24/2025</a:t>
             </a:fld>
             <a:endParaRPr lang="en-US"/>
           </a:p>
@@ -4748,7 +4799,7 @@
             <a:fld id="{4F3CB514-9CA6-4E48-9463-A430D31CFDE3}" type="datetime1">
               <a:rPr lang="en-US" smtClean="0"/>
               <a:pPr eaLnBrk="1" latinLnBrk="0" hangingPunct="1"/>
-              <a:t>9/23/2025</a:t>
+              <a:t>9/24/2025</a:t>
             </a:fld>
             <a:endParaRPr lang="en-US" sz="1400" dirty="0">
               <a:solidFill>
@@ -5559,7 +5610,7 @@
           <p:cNvPr id="2" name="Title 1">
             <a:extLst>
               <a:ext uri="{FF2B5EF4-FFF2-40B4-BE49-F238E27FC236}">
-                <a16:creationId xmlns:a16="http://schemas.microsoft.com/office/drawing/2014/main" id="{F266B0FA-876B-0FBF-BD7D-17A487328F4E}"/>
+                <a16:creationId xmlns:a16="http://schemas.microsoft.com/office/drawing/2014/main" id="{B973A519-DBC1-4403-2E8B-B6BADD69B0EA}"/>
               </a:ext>
             </a:extLst>
           </p:cNvPr>
@@ -5575,7 +5626,15 @@
           <a:bodyPr/>
           <a:lstStyle/>
           <a:p>
-            <a:endParaRPr lang="en-US"/>
+            <a:r>
+              <a:rPr lang="en-US" dirty="0"/>
+              <a:t>NZCV Flags in </a:t>
+            </a:r>
+            <a:r>
+              <a:rPr lang="en-US" dirty="0" err="1"/>
+              <a:t>xPSR</a:t>
+            </a:r>
+            <a:endParaRPr lang="en-US" dirty="0"/>
           </a:p>
         </p:txBody>
       </p:sp>
@@ -5584,7 +5643,7 @@
           <p:cNvPr id="3" name="Slide Number Placeholder 2">
             <a:extLst>
               <a:ext uri="{FF2B5EF4-FFF2-40B4-BE49-F238E27FC236}">
-                <a16:creationId xmlns:a16="http://schemas.microsoft.com/office/drawing/2014/main" id="{C858AAA4-40F6-8DF2-77DC-8421E9000D8C}"/>
+                <a16:creationId xmlns:a16="http://schemas.microsoft.com/office/drawing/2014/main" id="{9062D03D-6F8E-1055-AD43-53C02477180E}"/>
               </a:ext>
             </a:extLst>
           </p:cNvPr>
@@ -5614,7 +5673,7 @@
           <p:cNvPr id="4" name="Content Placeholder 3">
             <a:extLst>
               <a:ext uri="{FF2B5EF4-FFF2-40B4-BE49-F238E27FC236}">
-                <a16:creationId xmlns:a16="http://schemas.microsoft.com/office/drawing/2014/main" id="{73A641F1-11B0-62CA-8A69-351E1D672F4A}"/>
+                <a16:creationId xmlns:a16="http://schemas.microsoft.com/office/drawing/2014/main" id="{4C571F98-40C3-8109-24BE-24A75ED061CF}"/>
               </a:ext>
             </a:extLst>
           </p:cNvPr>
@@ -5625,19 +5684,96 @@
             <p:ph sz="quarter" idx="1"/>
           </p:nvPr>
         </p:nvSpPr>
-        <p:spPr/>
+        <p:spPr>
+          <a:xfrm>
+            <a:off x="457200" y="1219200"/>
+            <a:ext cx="8229600" cy="2910806"/>
+          </a:xfrm>
+        </p:spPr>
         <p:txBody>
-          <a:bodyPr/>
+          <a:bodyPr>
+            <a:normAutofit fontScale="77500" lnSpcReduction="20000"/>
+          </a:bodyPr>
           <a:lstStyle/>
           <a:p>
-            <a:endParaRPr lang="en-US"/>
+            <a:r>
+              <a:rPr lang="en-US" sz="2800" b="1" dirty="0"/>
+              <a:t>N</a:t>
+            </a:r>
+            <a:r>
+              <a:rPr lang="en-US" sz="2800" dirty="0"/>
+              <a:t> (negative) – set (1) when a signed result is negative, otherwise cleared (0).</a:t>
+            </a:r>
+          </a:p>
+          <a:p>
+            <a:r>
+              <a:rPr lang="en-US" sz="2800" b="1" dirty="0"/>
+              <a:t>Z</a:t>
+            </a:r>
+            <a:r>
+              <a:rPr lang="en-US" sz="2800" dirty="0"/>
+              <a:t> (zero) – set (1) when a result is 0, otherwise cleared (0).</a:t>
+            </a:r>
+          </a:p>
+          <a:p>
+            <a:r>
+              <a:rPr lang="en-US" sz="2800" b="1" dirty="0"/>
+              <a:t>C</a:t>
+            </a:r>
+            <a:r>
+              <a:rPr lang="en-US" sz="2800" dirty="0"/>
+              <a:t> (carry) – set (1) when an add-based operation produces an overflow, when a subtract-based operation doesn’t require a borrow; when shifting, holds the last bit that’s been shifted out; otherwise cleared (0).</a:t>
+            </a:r>
+          </a:p>
+          <a:p>
+            <a:r>
+              <a:rPr lang="en-US" sz="2800" b="1" dirty="0"/>
+              <a:t>V</a:t>
+            </a:r>
+            <a:r>
+              <a:rPr lang="en-US" sz="2800" dirty="0"/>
+              <a:t> (overflow) – set (1) when an add- or subtract-based operation generates a signed overflow, otherwise cleared (0).</a:t>
+            </a:r>
+          </a:p>
+          <a:p>
+            <a:endParaRPr lang="en-US" dirty="0"/>
           </a:p>
         </p:txBody>
       </p:sp>
+      <p:pic>
+        <p:nvPicPr>
+          <p:cNvPr id="6" name="Picture 5">
+            <a:extLst>
+              <a:ext uri="{FF2B5EF4-FFF2-40B4-BE49-F238E27FC236}">
+                <a16:creationId xmlns:a16="http://schemas.microsoft.com/office/drawing/2014/main" id="{80168489-8B57-7C2E-A280-C2FCA5EA7443}"/>
+              </a:ext>
+            </a:extLst>
+          </p:cNvPr>
+          <p:cNvPicPr>
+            <a:picLocks noChangeAspect="1"/>
+          </p:cNvPicPr>
+          <p:nvPr/>
+        </p:nvPicPr>
+        <p:blipFill>
+          <a:blip r:embed="rId3"/>
+          <a:stretch>
+            <a:fillRect/>
+          </a:stretch>
+        </p:blipFill>
+        <p:spPr>
+          <a:xfrm>
+            <a:off x="1447800" y="4016795"/>
+            <a:ext cx="5940553" cy="2409224"/>
+          </a:xfrm>
+          <a:prstGeom prst="rect">
+            <a:avLst/>
+          </a:prstGeom>
+        </p:spPr>
+      </p:pic>
     </p:spTree>
     <p:extLst>
       <p:ext uri="{BB962C8B-B14F-4D97-AF65-F5344CB8AC3E}">
-        <p14:creationId xmlns:p14="http://schemas.microsoft.com/office/powerpoint/2010/main" val="739921884"/>
+        <p14:creationId xmlns:p14="http://schemas.microsoft.com/office/powerpoint/2010/main" val="2452138352"/>
       </p:ext>
     </p:extLst>
   </p:cSld>
@@ -7187,12 +7323,8 @@
           <a:lstStyle/>
           <a:p>
             <a:r>
-              <a:rPr lang="en-US" altLang="zh-CN" dirty="0"/>
-              <a:t>Ch6 </a:t>
-            </a:r>
-            <a:r>
               <a:rPr lang="en-US" dirty="0"/>
-              <a:t>Summary:</a:t>
+              <a:t>Ch6 ARM Flow Control:</a:t>
             </a:r>
             <a:br>
               <a:rPr lang="en-US" dirty="0"/>
@@ -9745,7 +9877,7 @@
     </p:spTree>
     <p:extLst>
       <p:ext uri="{BB962C8B-B14F-4D97-AF65-F5344CB8AC3E}">
-        <p14:creationId xmlns:p14="http://schemas.microsoft.com/office/powerpoint/2010/main" val="2171254142"/>
+        <p14:creationId xmlns:p14="http://schemas.microsoft.com/office/powerpoint/2010/main" val="2083494270"/>
       </p:ext>
     </p:extLst>
   </p:cSld>
@@ -9757,201 +9889,6 @@
 </file>
 
 <file path=ppt/slides/slide6.xml><?xml version="1.0" encoding="utf-8"?>
-<p:sld xmlns:a="http://schemas.openxmlformats.org/drawingml/2006/main" xmlns:r="http://schemas.openxmlformats.org/officeDocument/2006/relationships" xmlns:p="http://schemas.openxmlformats.org/presentationml/2006/main">
-  <p:cSld>
-    <p:spTree>
-      <p:nvGrpSpPr>
-        <p:cNvPr id="1" name=""/>
-        <p:cNvGrpSpPr/>
-        <p:nvPr/>
-      </p:nvGrpSpPr>
-      <p:grpSpPr>
-        <a:xfrm>
-          <a:off x="0" y="0"/>
-          <a:ext cx="0" cy="0"/>
-          <a:chOff x="0" y="0"/>
-          <a:chExt cx="0" cy="0"/>
-        </a:xfrm>
-      </p:grpSpPr>
-      <p:sp>
-        <p:nvSpPr>
-          <p:cNvPr id="2" name="Title 1">
-            <a:extLst>
-              <a:ext uri="{FF2B5EF4-FFF2-40B4-BE49-F238E27FC236}">
-                <a16:creationId xmlns:a16="http://schemas.microsoft.com/office/drawing/2014/main" id="{B973A519-DBC1-4403-2E8B-B6BADD69B0EA}"/>
-              </a:ext>
-            </a:extLst>
-          </p:cNvPr>
-          <p:cNvSpPr>
-            <a:spLocks noGrp="1"/>
-          </p:cNvSpPr>
-          <p:nvPr>
-            <p:ph type="title"/>
-          </p:nvPr>
-        </p:nvSpPr>
-        <p:spPr/>
-        <p:txBody>
-          <a:bodyPr/>
-          <a:lstStyle/>
-          <a:p>
-            <a:r>
-              <a:rPr lang="en-US" dirty="0"/>
-              <a:t>NZCV Flags in </a:t>
-            </a:r>
-            <a:r>
-              <a:rPr lang="en-US" dirty="0" err="1"/>
-              <a:t>xPSR</a:t>
-            </a:r>
-            <a:endParaRPr lang="en-US" dirty="0"/>
-          </a:p>
-        </p:txBody>
-      </p:sp>
-      <p:sp>
-        <p:nvSpPr>
-          <p:cNvPr id="3" name="Slide Number Placeholder 2">
-            <a:extLst>
-              <a:ext uri="{FF2B5EF4-FFF2-40B4-BE49-F238E27FC236}">
-                <a16:creationId xmlns:a16="http://schemas.microsoft.com/office/drawing/2014/main" id="{9062D03D-6F8E-1055-AD43-53C02477180E}"/>
-              </a:ext>
-            </a:extLst>
-          </p:cNvPr>
-          <p:cNvSpPr>
-            <a:spLocks noGrp="1"/>
-          </p:cNvSpPr>
-          <p:nvPr>
-            <p:ph type="sldNum" sz="quarter" idx="12"/>
-          </p:nvPr>
-        </p:nvSpPr>
-        <p:spPr/>
-        <p:txBody>
-          <a:bodyPr/>
-          <a:lstStyle/>
-          <a:p>
-            <a:fld id="{EA7C8D44-3667-46F6-9772-CC52308E2A7F}" type="slidenum">
-              <a:rPr kumimoji="0" lang="en-US" smtClean="0"/>
-              <a:pPr/>
-              <a:t>6</a:t>
-            </a:fld>
-            <a:endParaRPr kumimoji="0" lang="en-US" dirty="0"/>
-          </a:p>
-        </p:txBody>
-      </p:sp>
-      <p:sp>
-        <p:nvSpPr>
-          <p:cNvPr id="4" name="Content Placeholder 3">
-            <a:extLst>
-              <a:ext uri="{FF2B5EF4-FFF2-40B4-BE49-F238E27FC236}">
-                <a16:creationId xmlns:a16="http://schemas.microsoft.com/office/drawing/2014/main" id="{4C571F98-40C3-8109-24BE-24A75ED061CF}"/>
-              </a:ext>
-            </a:extLst>
-          </p:cNvPr>
-          <p:cNvSpPr>
-            <a:spLocks noGrp="1"/>
-          </p:cNvSpPr>
-          <p:nvPr>
-            <p:ph sz="quarter" idx="1"/>
-          </p:nvPr>
-        </p:nvSpPr>
-        <p:spPr>
-          <a:xfrm>
-            <a:off x="457200" y="1219200"/>
-            <a:ext cx="8229600" cy="2910806"/>
-          </a:xfrm>
-        </p:spPr>
-        <p:txBody>
-          <a:bodyPr>
-            <a:normAutofit fontScale="77500" lnSpcReduction="20000"/>
-          </a:bodyPr>
-          <a:lstStyle/>
-          <a:p>
-            <a:r>
-              <a:rPr lang="en-US" sz="2800" b="1" dirty="0"/>
-              <a:t>N</a:t>
-            </a:r>
-            <a:r>
-              <a:rPr lang="en-US" sz="2800" dirty="0"/>
-              <a:t> (negative) – set (1) when a signed result is negative, otherwise cleared (0).</a:t>
-            </a:r>
-          </a:p>
-          <a:p>
-            <a:r>
-              <a:rPr lang="en-US" sz="2800" b="1" dirty="0"/>
-              <a:t>Z</a:t>
-            </a:r>
-            <a:r>
-              <a:rPr lang="en-US" sz="2800" dirty="0"/>
-              <a:t> (zero) – set (1) when a result is 0, otherwise cleared (0).</a:t>
-            </a:r>
-          </a:p>
-          <a:p>
-            <a:r>
-              <a:rPr lang="en-US" sz="2800" b="1" dirty="0"/>
-              <a:t>C</a:t>
-            </a:r>
-            <a:r>
-              <a:rPr lang="en-US" sz="2800" dirty="0"/>
-              <a:t> (carry) – set (1) when an add-based operation produces an overflow, when a subtract-based operation doesn’t require a borrow; when shifting, holds the last bit that’s been shifted out; otherwise cleared (0).</a:t>
-            </a:r>
-          </a:p>
-          <a:p>
-            <a:r>
-              <a:rPr lang="en-US" sz="2800" b="1" dirty="0"/>
-              <a:t>V</a:t>
-            </a:r>
-            <a:r>
-              <a:rPr lang="en-US" sz="2800" dirty="0"/>
-              <a:t> (overflow) – set (1) when an add- or subtract-based operation generates a signed overflow, otherwise cleared (0).</a:t>
-            </a:r>
-          </a:p>
-          <a:p>
-            <a:endParaRPr lang="en-US" dirty="0"/>
-          </a:p>
-        </p:txBody>
-      </p:sp>
-      <p:pic>
-        <p:nvPicPr>
-          <p:cNvPr id="6" name="Picture 5">
-            <a:extLst>
-              <a:ext uri="{FF2B5EF4-FFF2-40B4-BE49-F238E27FC236}">
-                <a16:creationId xmlns:a16="http://schemas.microsoft.com/office/drawing/2014/main" id="{80168489-8B57-7C2E-A280-C2FCA5EA7443}"/>
-              </a:ext>
-            </a:extLst>
-          </p:cNvPr>
-          <p:cNvPicPr>
-            <a:picLocks noChangeAspect="1"/>
-          </p:cNvPicPr>
-          <p:nvPr/>
-        </p:nvPicPr>
-        <p:blipFill>
-          <a:blip r:embed="rId3"/>
-          <a:stretch>
-            <a:fillRect/>
-          </a:stretch>
-        </p:blipFill>
-        <p:spPr>
-          <a:xfrm>
-            <a:off x="1447800" y="4016795"/>
-            <a:ext cx="5940553" cy="2409224"/>
-          </a:xfrm>
-          <a:prstGeom prst="rect">
-            <a:avLst/>
-          </a:prstGeom>
-        </p:spPr>
-      </p:pic>
-    </p:spTree>
-    <p:extLst>
-      <p:ext uri="{BB962C8B-B14F-4D97-AF65-F5344CB8AC3E}">
-        <p14:creationId xmlns:p14="http://schemas.microsoft.com/office/powerpoint/2010/main" val="2452138352"/>
-      </p:ext>
-    </p:extLst>
-  </p:cSld>
-  <p:clrMapOvr>
-    <a:masterClrMapping/>
-  </p:clrMapOvr>
-</p:sld>
-</file>
-
-<file path=ppt/slides/slide7.xml><?xml version="1.0" encoding="utf-8"?>
 <p:sld xmlns:a="http://schemas.openxmlformats.org/drawingml/2006/main" xmlns:r="http://schemas.openxmlformats.org/officeDocument/2006/relationships" xmlns:p="http://schemas.openxmlformats.org/presentationml/2006/main">
   <p:cSld>
     <p:spTree>
@@ -9986,12 +9923,8 @@
           <a:lstStyle/>
           <a:p>
             <a:r>
-              <a:rPr lang="en-US" altLang="zh-CN" dirty="0"/>
-              <a:t>Ch6 </a:t>
-            </a:r>
-            <a:r>
               <a:rPr lang="en-US" dirty="0"/>
-              <a:t>Summary: </a:t>
+              <a:t>Ch6 ARM Flow Control:</a:t>
             </a:r>
             <a:br>
               <a:rPr lang="en-US" dirty="0"/>
@@ -10022,7 +9955,7 @@
             <a:fld id="{EA7C8D44-3667-46F6-9772-CC52308E2A7F}" type="slidenum">
               <a:rPr kumimoji="0" lang="en-US" smtClean="0"/>
               <a:pPr eaLnBrk="1" latinLnBrk="0" hangingPunct="1"/>
-              <a:t>7</a:t>
+              <a:t>6</a:t>
             </a:fld>
             <a:endParaRPr kumimoji="0" lang="en-US" dirty="0"/>
           </a:p>
@@ -12628,7 +12561,7 @@
     </p:spTree>
     <p:extLst>
       <p:ext uri="{BB962C8B-B14F-4D97-AF65-F5344CB8AC3E}">
-        <p14:creationId xmlns:p14="http://schemas.microsoft.com/office/powerpoint/2010/main" val="3829986606"/>
+        <p14:creationId xmlns:p14="http://schemas.microsoft.com/office/powerpoint/2010/main" val="2158482455"/>
       </p:ext>
     </p:extLst>
   </p:cSld>
@@ -12638,7 +12571,7 @@
 </p:sld>
 </file>
 
-<file path=ppt/slides/slide8.xml><?xml version="1.0" encoding="utf-8"?>
+<file path=ppt/slides/slide7.xml><?xml version="1.0" encoding="utf-8"?>
 <p:sld xmlns:a="http://schemas.openxmlformats.org/drawingml/2006/main" xmlns:r="http://schemas.openxmlformats.org/officeDocument/2006/relationships" xmlns:p="http://schemas.openxmlformats.org/presentationml/2006/main">
   <p:cSld>
     <p:spTree>
@@ -12673,19 +12606,15 @@
           <a:lstStyle/>
           <a:p>
             <a:r>
-              <a:rPr lang="en-US" altLang="zh-CN" dirty="0"/>
-              <a:t>Ch6 </a:t>
-            </a:r>
-            <a:r>
               <a:rPr lang="en-US" dirty="0"/>
-              <a:t>Summary:</a:t>
+              <a:t>Ch6 ARM Flow Control:</a:t>
             </a:r>
             <a:br>
               <a:rPr lang="en-US" dirty="0"/>
             </a:br>
             <a:r>
               <a:rPr lang="en-US" dirty="0"/>
-              <a:t>Conditionally Executed</a:t>
+              <a:t>Conditional Execution</a:t>
             </a:r>
           </a:p>
         </p:txBody>
@@ -12708,7 +12637,7 @@
             <a:fld id="{EA7C8D44-3667-46F6-9772-CC52308E2A7F}" type="slidenum">
               <a:rPr kumimoji="0" lang="en-US" smtClean="0"/>
               <a:pPr/>
-              <a:t>8</a:t>
+              <a:t>7</a:t>
             </a:fld>
             <a:endParaRPr kumimoji="0" lang="en-US" dirty="0"/>
           </a:p>
@@ -15151,7 +15080,7 @@
     </p:spTree>
     <p:extLst>
       <p:ext uri="{BB962C8B-B14F-4D97-AF65-F5344CB8AC3E}">
-        <p14:creationId xmlns:p14="http://schemas.microsoft.com/office/powerpoint/2010/main" val="1558414871"/>
+        <p14:creationId xmlns:p14="http://schemas.microsoft.com/office/powerpoint/2010/main" val="4167967629"/>
       </p:ext>
     </p:extLst>
   </p:cSld>
@@ -15161,7 +15090,7 @@
 </p:sld>
 </file>
 
-<file path=ppt/slides/slide9.xml><?xml version="1.0" encoding="utf-8"?>
+<file path=ppt/slides/slide8.xml><?xml version="1.0" encoding="utf-8"?>
 <p:sld xmlns:a="http://schemas.openxmlformats.org/drawingml/2006/main" xmlns:r="http://schemas.openxmlformats.org/officeDocument/2006/relationships" xmlns:p="http://schemas.openxmlformats.org/presentationml/2006/main">
   <p:cSld>
     <p:spTree>
@@ -15218,7 +15147,7 @@
             <a:fld id="{EA7C8D44-3667-46F6-9772-CC52308E2A7F}" type="slidenum">
               <a:rPr kumimoji="0" lang="en-US" smtClean="0"/>
               <a:pPr/>
-              <a:t>9</a:t>
+              <a:t>8</a:t>
             </a:fld>
             <a:endParaRPr kumimoji="0" lang="en-US" dirty="0"/>
           </a:p>
